--- a/SoftwareEngineeringPPTpresentation.pptx
+++ b/SoftwareEngineeringPPTpresentation.pptx
@@ -10,12 +10,12 @@
     <p:sldId id="271" r:id="rId4"/>
     <p:sldId id="259" r:id="rId5"/>
     <p:sldId id="265" r:id="rId6"/>
-    <p:sldId id="262" r:id="rId7"/>
-    <p:sldId id="263" r:id="rId8"/>
-    <p:sldId id="260" r:id="rId9"/>
-    <p:sldId id="266" r:id="rId10"/>
-    <p:sldId id="264" r:id="rId11"/>
-    <p:sldId id="261" r:id="rId12"/>
+    <p:sldId id="266" r:id="rId7"/>
+    <p:sldId id="262" r:id="rId8"/>
+    <p:sldId id="263" r:id="rId9"/>
+    <p:sldId id="264" r:id="rId10"/>
+    <p:sldId id="261" r:id="rId11"/>
+    <p:sldId id="260" r:id="rId12"/>
     <p:sldId id="269" r:id="rId13"/>
     <p:sldId id="272" r:id="rId14"/>
     <p:sldId id="268" r:id="rId15"/>
@@ -7072,10 +7072,6 @@
               </a:rPr>
               <a:t>Developed by Team Bits &amp; Coins</a:t>
             </a:r>
-            <a:endParaRPr lang="en-US" dirty="0" smtClean="0">
-              <a:latin typeface="Aharoni" pitchFamily="2" charset="-79"/>
-              <a:cs typeface="Aharoni" pitchFamily="2" charset="-79"/>
-            </a:endParaRPr>
           </a:p>
         </p:txBody>
       </p:sp>
@@ -7260,7 +7256,7 @@
           <a:p>
             <a:r>
               <a:rPr lang="en-US" b="1" dirty="0"/>
-              <a:t>Market Manager:</a:t>
+              <a:t>Market Simulator:</a:t>
             </a:r>
             <a:r>
               <a:rPr lang="en-US" dirty="0"/>
@@ -7290,17 +7286,36 @@
           <a:p>
             <a:r>
               <a:rPr lang="en-US" dirty="0" smtClean="0"/>
-              <a:t>Pulls </a:t>
+              <a:t>Receives </a:t>
             </a:r>
             <a:r>
               <a:rPr lang="en-US" dirty="0"/>
-              <a:t>market data from the Market </a:t>
-            </a:r>
-            <a:r>
-              <a:rPr lang="en-US" dirty="0" err="1" smtClean="0"/>
-              <a:t>Accessor</a:t>
-            </a:r>
-            <a:endParaRPr lang="en-US" dirty="0"/>
+              <a:t>transaction data from Transaction Manager</a:t>
+            </a:r>
+          </a:p>
+          <a:p>
+            <a:r>
+              <a:rPr lang="en-US" dirty="0" smtClean="0"/>
+              <a:t>Receives </a:t>
+            </a:r>
+            <a:r>
+              <a:rPr lang="en-US" dirty="0"/>
+              <a:t>account data from Account Manager</a:t>
+            </a:r>
+          </a:p>
+          <a:p>
+            <a:r>
+              <a:rPr lang="en-US" dirty="0"/>
+              <a:t>R</a:t>
+            </a:r>
+            <a:r>
+              <a:rPr lang="en-US" dirty="0" smtClean="0"/>
+              <a:t>eceives </a:t>
+            </a:r>
+            <a:r>
+              <a:rPr lang="en-US" dirty="0"/>
+              <a:t>Market data from Market Manager</a:t>
+            </a:r>
           </a:p>
           <a:p>
             <a:r>
@@ -7309,7 +7324,17 @@
             </a:r>
             <a:r>
               <a:rPr lang="en-US" dirty="0"/>
-              <a:t>data pulled for Market Simulator</a:t>
+              <a:t>received data and sends it to the Market Simulator GUI</a:t>
+            </a:r>
+          </a:p>
+          <a:p>
+            <a:r>
+              <a:rPr lang="en-US" dirty="0" smtClean="0"/>
+              <a:t>Simulates </a:t>
+            </a:r>
+            <a:r>
+              <a:rPr lang="en-US" dirty="0"/>
+              <a:t>market pressure</a:t>
             </a:r>
           </a:p>
           <a:p>
@@ -7320,7 +7345,7 @@
     </p:spTree>
     <p:extLst>
       <p:ext uri="{BB962C8B-B14F-4D97-AF65-F5344CB8AC3E}">
-        <p14:creationId xmlns:p14="http://schemas.microsoft.com/office/powerpoint/2010/main" val="3062663632"/>
+        <p14:creationId xmlns:p14="http://schemas.microsoft.com/office/powerpoint/2010/main" val="308106114"/>
       </p:ext>
     </p:extLst>
   </p:cSld>
@@ -7363,15 +7388,15 @@
           <a:lstStyle/>
           <a:p>
             <a:r>
-              <a:rPr lang="en-US" b="1" dirty="0"/>
-              <a:t>Market Simulator:</a:t>
-            </a:r>
-            <a:r>
-              <a:rPr lang="en-US" dirty="0"/>
+              <a:rPr lang="en-US" b="1" dirty="0" smtClean="0"/>
+              <a:t>Market Simulator GUI:</a:t>
+            </a:r>
+            <a:r>
+              <a:rPr lang="en-US" dirty="0" smtClean="0"/>
               <a:t/>
             </a:r>
             <a:br>
-              <a:rPr lang="en-US" dirty="0"/>
+              <a:rPr lang="en-US" dirty="0" smtClean="0"/>
             </a:br>
             <a:endParaRPr lang="en-US" dirty="0"/>
           </a:p>
@@ -7394,62 +7419,75 @@
           <a:p>
             <a:r>
               <a:rPr lang="en-US" dirty="0" smtClean="0"/>
-              <a:t>Receives </a:t>
+              <a:t>Allows </a:t>
             </a:r>
             <a:r>
               <a:rPr lang="en-US" dirty="0"/>
-              <a:t>transaction data from Transaction Manager</a:t>
+              <a:t>for imputing transaction data and displays the results of the transaction</a:t>
             </a:r>
           </a:p>
           <a:p>
             <a:r>
               <a:rPr lang="en-US" dirty="0" smtClean="0"/>
-              <a:t>Receives </a:t>
+              <a:t>Sends </a:t>
             </a:r>
             <a:r>
               <a:rPr lang="en-US" dirty="0"/>
-              <a:t>account data from Account Manager</a:t>
-            </a:r>
-          </a:p>
-          <a:p>
+              <a:t>and receives data to Market </a:t>
+            </a:r>
             <a:r>
               <a:rPr lang="en-US" dirty="0" smtClean="0"/>
-              <a:t>receives </a:t>
-            </a:r>
-            <a:r>
-              <a:rPr lang="en-US" dirty="0"/>
-              <a:t>Market data from Market Manager</a:t>
+              <a:t>Simulator</a:t>
             </a:r>
           </a:p>
           <a:p>
             <a:r>
               <a:rPr lang="en-US" dirty="0" smtClean="0"/>
-              <a:t>Processes </a:t>
-            </a:r>
-            <a:r>
-              <a:rPr lang="en-US" dirty="0"/>
-              <a:t>received data and sends it to the Market Simulator GUI</a:t>
-            </a:r>
-          </a:p>
-          <a:p>
-            <a:r>
-              <a:rPr lang="en-US" dirty="0" smtClean="0"/>
-              <a:t>Simulates </a:t>
-            </a:r>
-            <a:r>
-              <a:rPr lang="en-US" dirty="0"/>
-              <a:t>market pressure</a:t>
+              <a:t>Clear labels and Spartan interface enhance usability </a:t>
             </a:r>
           </a:p>
           <a:p>
             <a:endParaRPr lang="en-US" dirty="0"/>
           </a:p>
-        </p:txBody>
-      </p:sp>
+          <a:p>
+            <a:endParaRPr lang="en-US" dirty="0"/>
+          </a:p>
+        </p:txBody>
+      </p:sp>
+      <p:pic>
+        <p:nvPicPr>
+          <p:cNvPr id="4" name="Picture 3"/>
+          <p:cNvPicPr>
+            <a:picLocks noChangeAspect="1"/>
+          </p:cNvPicPr>
+          <p:nvPr/>
+        </p:nvPicPr>
+        <p:blipFill>
+          <a:blip r:embed="rId2">
+            <a:extLst>
+              <a:ext uri="{28A0092B-C50C-407E-A947-70E740481C1C}">
+                <a14:useLocalDpi xmlns:a14="http://schemas.microsoft.com/office/drawing/2010/main" val="0"/>
+              </a:ext>
+            </a:extLst>
+          </a:blip>
+          <a:stretch>
+            <a:fillRect/>
+          </a:stretch>
+        </p:blipFill>
+        <p:spPr>
+          <a:xfrm>
+            <a:off x="3124200" y="3886199"/>
+            <a:ext cx="4419600" cy="2981537"/>
+          </a:xfrm>
+          <a:prstGeom prst="rect">
+            <a:avLst/>
+          </a:prstGeom>
+        </p:spPr>
+      </p:pic>
     </p:spTree>
     <p:extLst>
       <p:ext uri="{BB962C8B-B14F-4D97-AF65-F5344CB8AC3E}">
-        <p14:creationId xmlns:p14="http://schemas.microsoft.com/office/powerpoint/2010/main" val="308106114"/>
+        <p14:creationId xmlns:p14="http://schemas.microsoft.com/office/powerpoint/2010/main" val="3501068454"/>
       </p:ext>
     </p:extLst>
   </p:cSld>
@@ -8176,13 +8214,10 @@
               <a:t>1. Complex (not </a:t>
             </a:r>
             <a:r>
-              <a:rPr lang="en-US" dirty="0" err="1" smtClean="0"/>
-              <a:t>rudementary</a:t>
-            </a:r>
-            <a:r>
               <a:rPr lang="en-US" dirty="0" smtClean="0"/>
-              <a:t>)</a:t>
-            </a:r>
+              <a:t>rudimentary)</a:t>
+            </a:r>
+            <a:endParaRPr lang="en-US" dirty="0" smtClean="0"/>
           </a:p>
           <a:p>
             <a:pPr lvl="2"/>
@@ -8450,8 +8485,8 @@
         </p:blipFill>
         <p:spPr>
           <a:xfrm>
-            <a:off x="1910290" y="1784350"/>
-            <a:ext cx="5780619" cy="4572000"/>
+            <a:off x="762000" y="1192807"/>
+            <a:ext cx="7162800" cy="5665193"/>
           </a:xfrm>
         </p:spPr>
       </p:pic>
@@ -8549,8 +8584,13 @@
             </a:r>
             <a:r>
               <a:rPr lang="en-US" dirty="0"/>
-              <a:t>data to storage method</a:t>
-            </a:r>
+              <a:t>data to </a:t>
+            </a:r>
+            <a:r>
+              <a:rPr lang="en-US" dirty="0" smtClean="0"/>
+              <a:t>storage</a:t>
+            </a:r>
+            <a:endParaRPr lang="en-US" dirty="0"/>
           </a:p>
           <a:p>
             <a:r>
@@ -8563,12 +8603,13 @@
             </a:r>
             <a:r>
               <a:rPr lang="en-US" dirty="0"/>
-              <a:t>data from storage </a:t>
+              <a:t>data from </a:t>
             </a:r>
             <a:r>
               <a:rPr lang="en-US" dirty="0" smtClean="0"/>
-              <a:t>method</a:t>
-            </a:r>
+              <a:t>storage</a:t>
+            </a:r>
+            <a:endParaRPr lang="en-US" dirty="0" smtClean="0"/>
           </a:p>
           <a:p>
             <a:pPr lvl="1"/>
@@ -8657,7 +8698,15 @@
           <a:p>
             <a:r>
               <a:rPr lang="en-US" b="1" dirty="0"/>
-              <a:t>Transaction Manager:</a:t>
+              <a:t>Market </a:t>
+            </a:r>
+            <a:r>
+              <a:rPr lang="en-US" b="1" dirty="0" err="1"/>
+              <a:t>Accessor</a:t>
+            </a:r>
+            <a:r>
+              <a:rPr lang="en-US" b="1" dirty="0"/>
+              <a:t>:</a:t>
             </a:r>
             <a:r>
               <a:rPr lang="en-US" dirty="0"/>
@@ -8686,45 +8735,61 @@
           <a:lstStyle/>
           <a:p>
             <a:r>
+              <a:rPr lang="en-US" dirty="0"/>
+              <a:t>Retrieves current exchange </a:t>
+            </a:r>
+            <a:r>
               <a:rPr lang="en-US" dirty="0" smtClean="0"/>
-              <a:t>Pushes </a:t>
-            </a:r>
-            <a:r>
-              <a:rPr lang="en-US" dirty="0"/>
-              <a:t>and pulls Transaction data to and from the storage </a:t>
+              <a:t>rate</a:t>
+            </a:r>
+          </a:p>
+          <a:p>
+            <a:r>
+              <a:rPr lang="en-US" dirty="0" smtClean="0"/>
+              <a:t>Exchange rate gathered from </a:t>
             </a:r>
             <a:r>
               <a:rPr lang="en-US" dirty="0" err="1"/>
-              <a:t>Accessor</a:t>
-            </a:r>
-            <a:endParaRPr lang="en-US" dirty="0"/>
-          </a:p>
-          <a:p>
+              <a:t>G</a:t>
+            </a:r>
+            <a:r>
+              <a:rPr lang="en-US" dirty="0" err="1" smtClean="0"/>
+              <a:t>son</a:t>
+            </a:r>
             <a:r>
               <a:rPr lang="en-US" dirty="0" smtClean="0"/>
-              <a:t>Processes </a:t>
-            </a:r>
-            <a:r>
-              <a:rPr lang="en-US" dirty="0"/>
-              <a:t>data </a:t>
-            </a:r>
+              <a:t> library to get current market data according to Google</a:t>
+            </a:r>
+          </a:p>
+          <a:p>
+            <a:pPr lvl="1"/>
             <a:r>
               <a:rPr lang="en-US" dirty="0" smtClean="0"/>
-              <a:t>pulled</a:t>
-            </a:r>
-          </a:p>
-          <a:p>
-            <a:endParaRPr lang="en-US" dirty="0"/>
-          </a:p>
-          <a:p>
-            <a:endParaRPr lang="en-US" dirty="0"/>
+              <a:t>Updates in real-time to ensure accuracy</a:t>
+            </a:r>
+          </a:p>
+          <a:p>
+            <a:pPr lvl="1"/>
+            <a:r>
+              <a:rPr lang="en-US" dirty="0" smtClean="0"/>
+              <a:t>Google data consistent, ensures </a:t>
+            </a:r>
+            <a:r>
+              <a:rPr lang="en-US" i="1" dirty="0" smtClean="0"/>
+              <a:t>reliability</a:t>
+            </a:r>
+            <a:endParaRPr lang="en-US" dirty="0" smtClean="0"/>
+          </a:p>
+          <a:p>
+            <a:pPr lvl="1"/>
+            <a:endParaRPr lang="en-US" dirty="0" smtClean="0"/>
           </a:p>
         </p:txBody>
       </p:sp>
     </p:spTree>
     <p:extLst>
       <p:ext uri="{BB962C8B-B14F-4D97-AF65-F5344CB8AC3E}">
-        <p14:creationId xmlns:p14="http://schemas.microsoft.com/office/powerpoint/2010/main" val="415939980"/>
+        <p14:creationId xmlns:p14="http://schemas.microsoft.com/office/powerpoint/2010/main" val="160284266"/>
       </p:ext>
     </p:extLst>
   </p:cSld>
@@ -8767,15 +8832,15 @@
           <a:lstStyle/>
           <a:p>
             <a:r>
-              <a:rPr lang="en-US" b="1" dirty="0" smtClean="0"/>
-              <a:t>Account Manager:</a:t>
-            </a:r>
-            <a:r>
-              <a:rPr lang="en-US" dirty="0" smtClean="0"/>
+              <a:rPr lang="en-US" b="1" dirty="0"/>
+              <a:t>Transaction Manager:</a:t>
+            </a:r>
+            <a:r>
+              <a:rPr lang="en-US" dirty="0"/>
               <a:t/>
             </a:r>
             <a:br>
-              <a:rPr lang="en-US" dirty="0" smtClean="0"/>
+              <a:rPr lang="en-US" dirty="0"/>
             </a:br>
             <a:endParaRPr lang="en-US" dirty="0"/>
           </a:p>
@@ -8798,15 +8863,15 @@
           <a:p>
             <a:r>
               <a:rPr lang="en-US" dirty="0" smtClean="0"/>
-              <a:t>Pulls </a:t>
+              <a:t>Pushes </a:t>
             </a:r>
             <a:r>
               <a:rPr lang="en-US" dirty="0"/>
-              <a:t>account data from Storage </a:t>
-            </a:r>
-            <a:r>
-              <a:rPr lang="en-US" dirty="0" err="1"/>
-              <a:t>Accessor</a:t>
+              <a:t>and pulls Transaction data to and from the </a:t>
+            </a:r>
+            <a:r>
+              <a:rPr lang="en-US" dirty="0" err="1" smtClean="0"/>
+              <a:t>StorageAccessor</a:t>
             </a:r>
             <a:endParaRPr lang="en-US" dirty="0"/>
           </a:p>
@@ -8817,15 +8882,17 @@
             </a:r>
             <a:r>
               <a:rPr lang="en-US" dirty="0"/>
-              <a:t>data pulled for Market </a:t>
+              <a:t>data </a:t>
             </a:r>
             <a:r>
               <a:rPr lang="en-US" dirty="0" smtClean="0"/>
-              <a:t>Simulator</a:t>
-            </a:r>
-          </a:p>
-          <a:p>
-            <a:pPr lvl="1"/>
+              <a:t>pulled</a:t>
+            </a:r>
+          </a:p>
+          <a:p>
+            <a:endParaRPr lang="en-US" dirty="0"/>
+          </a:p>
+          <a:p>
             <a:endParaRPr lang="en-US" dirty="0"/>
           </a:p>
         </p:txBody>
@@ -8833,7 +8900,7 @@
     </p:spTree>
     <p:extLst>
       <p:ext uri="{BB962C8B-B14F-4D97-AF65-F5344CB8AC3E}">
-        <p14:creationId xmlns:p14="http://schemas.microsoft.com/office/powerpoint/2010/main" val="4216898256"/>
+        <p14:creationId xmlns:p14="http://schemas.microsoft.com/office/powerpoint/2010/main" val="415939980"/>
       </p:ext>
     </p:extLst>
   </p:cSld>
@@ -8877,7 +8944,7 @@
           <a:p>
             <a:r>
               <a:rPr lang="en-US" b="1" dirty="0" smtClean="0"/>
-              <a:t>Market Simulator GUI:</a:t>
+              <a:t>Account Manager:</a:t>
             </a:r>
             <a:r>
               <a:rPr lang="en-US" dirty="0" smtClean="0"/>
@@ -8907,21 +8974,26 @@
           <a:p>
             <a:r>
               <a:rPr lang="en-US" dirty="0" smtClean="0"/>
-              <a:t>Allows </a:t>
+              <a:t>Pulls </a:t>
             </a:r>
             <a:r>
               <a:rPr lang="en-US" dirty="0"/>
-              <a:t>for imputing transaction data and displays the results of the transaction</a:t>
-            </a:r>
+              <a:t>account data from </a:t>
+            </a:r>
+            <a:r>
+              <a:rPr lang="en-US" dirty="0" err="1" smtClean="0"/>
+              <a:t>StorageAccessor</a:t>
+            </a:r>
+            <a:endParaRPr lang="en-US" dirty="0"/>
           </a:p>
           <a:p>
             <a:r>
               <a:rPr lang="en-US" dirty="0" smtClean="0"/>
-              <a:t>sends </a:t>
+              <a:t>Processes </a:t>
             </a:r>
             <a:r>
               <a:rPr lang="en-US" dirty="0"/>
-              <a:t>and receives data to Market </a:t>
+              <a:t>data pulled for Market </a:t>
             </a:r>
             <a:r>
               <a:rPr lang="en-US" dirty="0" smtClean="0"/>
@@ -8929,22 +9001,7 @@
             </a:r>
           </a:p>
           <a:p>
-            <a:r>
-              <a:rPr lang="en-US" dirty="0" smtClean="0"/>
-              <a:t>Clear labels and Spartan interface enhance usability </a:t>
-            </a:r>
-          </a:p>
-          <a:p>
-            <a:endParaRPr lang="en-US" dirty="0"/>
-          </a:p>
-          <a:p>
-            <a:r>
-              <a:rPr lang="en-US" dirty="0" smtClean="0"/>
-              <a:t>&lt;Insert Snapshot of working program&gt;</a:t>
-            </a:r>
-            <a:endParaRPr lang="en-US" dirty="0"/>
-          </a:p>
-          <a:p>
+            <a:pPr lvl="1"/>
             <a:endParaRPr lang="en-US" dirty="0"/>
           </a:p>
         </p:txBody>
@@ -8952,7 +9009,7 @@
     </p:spTree>
     <p:extLst>
       <p:ext uri="{BB962C8B-B14F-4D97-AF65-F5344CB8AC3E}">
-        <p14:creationId xmlns:p14="http://schemas.microsoft.com/office/powerpoint/2010/main" val="3501068454"/>
+        <p14:creationId xmlns:p14="http://schemas.microsoft.com/office/powerpoint/2010/main" val="4216898256"/>
       </p:ext>
     </p:extLst>
   </p:cSld>
@@ -8996,15 +9053,7 @@
           <a:p>
             <a:r>
               <a:rPr lang="en-US" b="1" dirty="0"/>
-              <a:t>Market </a:t>
-            </a:r>
-            <a:r>
-              <a:rPr lang="en-US" b="1" dirty="0" err="1"/>
-              <a:t>Accessor</a:t>
-            </a:r>
-            <a:r>
-              <a:rPr lang="en-US" b="1" dirty="0"/>
-              <a:t>:</a:t>
+              <a:t>Market Manager:</a:t>
             </a:r>
             <a:r>
               <a:rPr lang="en-US" dirty="0"/>
@@ -9033,61 +9082,38 @@
           <a:lstStyle/>
           <a:p>
             <a:r>
+              <a:rPr lang="en-US" dirty="0" smtClean="0"/>
+              <a:t>Pulls </a:t>
+            </a:r>
+            <a:r>
               <a:rPr lang="en-US" dirty="0"/>
-              <a:t>Retrieves current exchange </a:t>
-            </a:r>
+              <a:t>market data from the </a:t>
+            </a:r>
+            <a:r>
+              <a:rPr lang="en-US" dirty="0" err="1" smtClean="0"/>
+              <a:t>MarketAccessor</a:t>
+            </a:r>
+            <a:endParaRPr lang="en-US" dirty="0"/>
+          </a:p>
+          <a:p>
             <a:r>
               <a:rPr lang="en-US" dirty="0" smtClean="0"/>
-              <a:t>rate</a:t>
-            </a:r>
-          </a:p>
-          <a:p>
-            <a:r>
-              <a:rPr lang="en-US" dirty="0" smtClean="0"/>
-              <a:t>Exchange rate gathered from </a:t>
-            </a:r>
-            <a:r>
-              <a:rPr lang="en-US" dirty="0" err="1"/>
-              <a:t>G</a:t>
-            </a:r>
-            <a:r>
-              <a:rPr lang="en-US" dirty="0" err="1" smtClean="0"/>
-              <a:t>son</a:t>
-            </a:r>
-            <a:r>
-              <a:rPr lang="en-US" dirty="0" smtClean="0"/>
-              <a:t> library to get current market data according to Google</a:t>
-            </a:r>
-          </a:p>
-          <a:p>
-            <a:pPr lvl="1"/>
-            <a:r>
-              <a:rPr lang="en-US" dirty="0" smtClean="0"/>
-              <a:t>Updates in real-time to ensure accuracy</a:t>
-            </a:r>
-          </a:p>
-          <a:p>
-            <a:pPr lvl="1"/>
-            <a:r>
-              <a:rPr lang="en-US" dirty="0" smtClean="0"/>
-              <a:t>Google data consistent, ensures </a:t>
-            </a:r>
-            <a:r>
-              <a:rPr lang="en-US" i="1" dirty="0" smtClean="0"/>
-              <a:t>reliability</a:t>
-            </a:r>
-            <a:endParaRPr lang="en-US" dirty="0" smtClean="0"/>
-          </a:p>
-          <a:p>
-            <a:pPr lvl="1"/>
-            <a:endParaRPr lang="en-US" dirty="0" smtClean="0"/>
+              <a:t>Processes </a:t>
+            </a:r>
+            <a:r>
+              <a:rPr lang="en-US" dirty="0"/>
+              <a:t>data pulled for Market Simulator</a:t>
+            </a:r>
+          </a:p>
+          <a:p>
+            <a:endParaRPr lang="en-US" dirty="0"/>
           </a:p>
         </p:txBody>
       </p:sp>
     </p:spTree>
     <p:extLst>
       <p:ext uri="{BB962C8B-B14F-4D97-AF65-F5344CB8AC3E}">
-        <p14:creationId xmlns:p14="http://schemas.microsoft.com/office/powerpoint/2010/main" val="160284266"/>
+        <p14:creationId xmlns:p14="http://schemas.microsoft.com/office/powerpoint/2010/main" val="3062663632"/>
       </p:ext>
     </p:extLst>
   </p:cSld>
